--- a/Secure Network Messenger Using ssh for Improved Anonymity.pptx
+++ b/Secure Network Messenger Using ssh for Improved Anonymity.pptx
@@ -3340,7 +3340,43 @@
                 </a:solidFill>
                 <a:sym typeface="+mn-ea"/>
               </a:rPr>
-              <a:t>Dr.Neelamadheswari</a:t>
+              <a:t>Dr.</a:t>
+            </a:r>
+            <a:r>
+              <a:rPr lang="en-IN" altLang="en-US" sz="2100" b="1">
+                <a:solidFill>
+                  <a:schemeClr val="tx1"/>
+                </a:solidFill>
+                <a:sym typeface="+mn-ea"/>
+              </a:rPr>
+              <a:t>A </a:t>
+            </a:r>
+            <a:r>
+              <a:rPr lang="en-US" sz="2100" b="1">
+                <a:solidFill>
+                  <a:schemeClr val="tx1"/>
+                </a:solidFill>
+                <a:sym typeface="+mn-ea"/>
+              </a:rPr>
+              <a:t>Neela</a:t>
+            </a:r>
+            <a:r>
+              <a:rPr lang="en-IN" altLang="en-US" sz="2100" b="1">
+                <a:solidFill>
+                  <a:schemeClr val="tx1"/>
+                </a:solidFill>
+                <a:sym typeface="+mn-ea"/>
+              </a:rPr>
+              <a:t> M</a:t>
+            </a:r>
+            <a:r>
+              <a:rPr lang="en-US" sz="2100" b="1">
+                <a:solidFill>
+                  <a:schemeClr val="tx1"/>
+                </a:solidFill>
+                <a:sym typeface="+mn-ea"/>
+              </a:rPr>
+              <a:t>adheswari</a:t>
             </a:r>
             <a:endParaRPr lang="en-US" sz="2100" b="1">
               <a:solidFill>
@@ -3351,6 +3387,17 @@
           </a:p>
           <a:p>
             <a:pPr algn="ctr" eaLnBrk="1" hangingPunct="1"/>
+            <a:r>
+              <a:rPr lang="en-IN" altLang="en-US" sz="2100" dirty="0">
+                <a:solidFill>
+                  <a:schemeClr val="tx1"/>
+                </a:solidFill>
+                <a:latin typeface="Times New Roman" panose="02020603050405020304" pitchFamily="18" charset="0"/>
+                <a:cs typeface="Times New Roman" panose="02020603050405020304" pitchFamily="18" charset="0"/>
+                <a:sym typeface="+mn-ea"/>
+              </a:rPr>
+              <a:t>Head of Department</a:t>
+            </a:r>
             <a:r>
               <a:rPr lang="en-US" altLang="en-US" sz="2100" dirty="0">
                 <a:solidFill>
@@ -3360,7 +3407,7 @@
                 <a:cs typeface="Times New Roman" panose="02020603050405020304" pitchFamily="18" charset="0"/>
                 <a:sym typeface="+mn-ea"/>
               </a:rPr>
-              <a:t>Asst.Professor, Department of Cyber Security Engineering</a:t>
+              <a:t>, Department of Cyber Security </a:t>
             </a:r>
             <a:endParaRPr lang="en-US" altLang="en-US" sz="2100" dirty="0">
               <a:solidFill>
@@ -6303,7 +6350,7 @@
         </p:spPr>
         <p:txBody>
           <a:bodyPr>
-            <a:normAutofit lnSpcReduction="20000"/>
+            <a:normAutofit fontScale="80000"/>
           </a:bodyPr>
           <a:p>
             <a:r>
@@ -6312,28 +6359,25 @@
                 <a:cs typeface="Times New Roman" panose="02020603050405020304" pitchFamily="18" charset="0"/>
                 <a:sym typeface="+mn-ea"/>
               </a:rPr>
-              <a:t>A Comprehensive End-to-End Solution for Web Security with  Cryptography,Multi-Factor Authentication, and Secure Communication</a:t>
+              <a:t> T. E. Djidjekh, A. Takacs, G. Loubet, L. Sanogo, and D. Dragomirescu, “Lightweight protocol-agnostic security enhancement for SWIPT-enabled IoT systems,” IEEE Internet Things J., Early Access, Feb. 11, 2026, doi: 10.1109/JIOT.2026.3663551.</a:t>
             </a:r>
             <a:endParaRPr lang="en-US" altLang="en-US"/>
           </a:p>
           <a:p>
             <a:r>
               <a:rPr lang="en-US" altLang="en-US"/>
-              <a:t>Classical ciphers like Caesar Cipher, Rail Fence, and Columnar Transposition have been studied mainly for educational and analytical purposes, helping users understand fundamental cryptographic principles despite their limited real-world security.</a:t>
+              <a:t>Their approach introduces a lightweight cryptographic enhancement that operates independently of the underlying communication protocol, allowing seamless integration into existing IoT infrastructures. The design focuses on minimizing computational and energy consumption while maintaining data confidentiality and integrity.</a:t>
+            </a:r>
+            <a:r>
+              <a:rPr lang="en-IN" altLang="en-US"/>
+              <a:t> </a:t>
             </a:r>
             <a:endParaRPr lang="en-US" altLang="en-US"/>
           </a:p>
           <a:p>
             <a:r>
               <a:rPr lang="en-US" altLang="en-US"/>
-              <a:t>Secure communication protocols have been widely investigated to prevent man-in-the-middle and eavesdropping attacks. HTTPS combined with SSL/TLS is identified as a core mechanism for protecting data transmission over the internet.</a:t>
-            </a:r>
-            <a:endParaRPr lang="en-US" altLang="en-US"/>
-          </a:p>
-          <a:p>
-            <a:r>
-              <a:rPr lang="en-US" altLang="en-US"/>
-              <a:t>Multi-factor authentication (MFA) has been proven to significantly enhance access control by combining multiple verification factors such as passwords, OTPs, biometrics, and device-based authentication.</a:t>
+              <a:t>The work demonstrates that security mechanisms for energy-harvesting IoT systems must balance protection strength with power efficiency. This study inspires the use of lightweight and performance-aware encryption strategies in the proposed secure messaging system to ensure both security and computational efficiency.</a:t>
             </a:r>
             <a:endParaRPr lang="en-US" altLang="en-US"/>
           </a:p>
@@ -6616,7 +6660,7 @@
         </p:spPr>
         <p:txBody>
           <a:bodyPr>
-            <a:normAutofit fontScale="90000"/>
+            <a:normAutofit fontScale="70000"/>
           </a:bodyPr>
           <a:p>
             <a:r>
@@ -6625,35 +6669,28 @@
                 <a:cs typeface="Times New Roman" panose="02020603050405020304" pitchFamily="18" charset="0"/>
                 <a:sym typeface="+mn-ea"/>
               </a:rPr>
-              <a:t>A Comprehensive End-to-End Solution for Web Security with  Cryptography,Multi-Factor Authentication, and Secure Communication</a:t>
+              <a:t>G. A. P. Rodrigues et al., “Securing instant messages with hardware-based cryptography and authentication in browser extension,” IEEE Access, vol. 8, pp. 93387–93402, 2020, doi: 10.1109/ACCESS.2020.2993774.</a:t>
             </a:r>
             <a:endParaRPr lang="en-US" altLang="en-US"/>
           </a:p>
           <a:p>
             <a:r>
               <a:rPr lang="en-US" altLang="en-US"/>
-              <a:t>Machine learning-based security solutions show promise in detecting advanced attacks but often introduce complexity, computational overhead, and dependency on high-quality datasets.</a:t>
+              <a:t>The study emphasizes enhancing message confidentiality and user authentication by leveraging hardware security modules to protect cryptographic keys from software-level attacks.</a:t>
             </a:r>
             <a:endParaRPr lang="en-US" altLang="en-US"/>
           </a:p>
           <a:p>
             <a:r>
               <a:rPr lang="en-US" altLang="en-US"/>
-              <a:t>Secure online payment systems rely heavily on encryption, tokenization, and compliance with security standards such as PCI-DSS to protect financial data.</a:t>
+              <a:t>The authors implemented encryption and authentication processes directly within the browser extension, ensuring secure end-to-end communication without relying solely on server-side security mechanisms. Their approach strengthens resistance against key theft, phishing attacks, and unauthorized access by isolating sensitive cryptographic operations in secure hardware components.</a:t>
             </a:r>
             <a:endParaRPr lang="en-US" altLang="en-US"/>
           </a:p>
           <a:p>
             <a:r>
               <a:rPr lang="en-US" altLang="en-US"/>
-              <a:t>Research in fintech security emphasizes that payment gateways must avoid direct handling of sensitive card information to minimize exposure to fraud and breaches.</a:t>
-            </a:r>
-            <a:endParaRPr lang="en-US" altLang="en-US"/>
-          </a:p>
-          <a:p>
-            <a:r>
-              <a:rPr lang="en-US" altLang="en-US"/>
-              <a:t>Existing literature predominantly addresses encryption and authentication.</a:t>
+              <a:t>The authors implemented encryption and authentication processes directly within the browser extension, ensuring secure end-to-end communication without relying solely on server-side security mechanisms. Their approach strengthens resistance against key theft, phishing attacks, and unauthorized access by isolating sensitive cryptographic operations in secure hardware components. </a:t>
             </a:r>
             <a:endParaRPr lang="en-US" altLang="en-US"/>
           </a:p>
@@ -6821,35 +6858,21 @@
                 <a:cs typeface="Times New Roman" panose="02020603050405020304" pitchFamily="18" charset="0"/>
                 <a:sym typeface="+mn-ea"/>
               </a:rPr>
-              <a:t>A Comprehensive End-to-End Solution for Web Security with  Cryptography,Multi-Factor Authentication, and Secure Communication</a:t>
+              <a:t> A. H. Sarower, T. Bhuiyan, M. Hassan, M. S. Arefin, and G. Hossain, “SMFA: Strengthening multi-factor authentication with steganography for enhanced security,” IEEE Access, vol. 13, pp. 43593–43606, Feb. 2025, doi: 10.1109/ACCESS.2025.3545769.</a:t>
             </a:r>
             <a:endParaRPr lang="en-US" altLang="en-US" sz="2400"/>
           </a:p>
           <a:p>
             <a:r>
               <a:rPr lang="en-US" altLang="en-US" sz="2400"/>
-              <a:t>The lack of holistic security solutions creates gaps where attackers can exploit weakly integrated systems.</a:t>
+              <a:t>The proposed approach combines traditional multi-factor authentication mechanisms with steganographic concealment to provide an additional layer of security. By hiding authentication information rather than transmitting it directly, the framework mitigates common attacks such as phishing, replay attacks, and brute-force attempts.s</a:t>
             </a:r>
             <a:endParaRPr lang="en-US" altLang="en-US" sz="2400"/>
           </a:p>
           <a:p>
             <a:r>
               <a:rPr lang="en-US" altLang="en-US" sz="2400"/>
-              <a:t>This project builds upon existing research by combining cryptographic algorithms, multi-factor authentication, secure communication protocols, PGP-encrypted messaging, tokenization, and secure payment processing.</a:t>
-            </a:r>
-            <a:endParaRPr lang="en-US" altLang="en-US" sz="2400"/>
-          </a:p>
-          <a:p>
-            <a:r>
-              <a:rPr lang="en-US" altLang="en-US" sz="2400"/>
-              <a:t>By integrating multiple security layers into one platform, the proposed system addresses real-world security challenges more effectively than isolated solutions.</a:t>
-            </a:r>
-            <a:endParaRPr lang="en-US" altLang="en-US" sz="2400"/>
-          </a:p>
-          <a:p>
-            <a:r>
-              <a:rPr lang="en-US" altLang="en-US" sz="2400"/>
-              <a:t>The literature collectively supports the need for comprehensive, scalable, and user-friendly web security architectures that align with modern cybersecurity standards.</a:t>
+              <a:t>This work demonstrates that combining cryptographic protection with data-hiding techniques can significantly enhance authentication robustness. It inspires the integration of secure authentication mechanisms in the proposed system to ensure stronger user identity verification alongside encrypted message transmission. </a:t>
             </a:r>
             <a:endParaRPr lang="en-US" altLang="en-US" sz="2400"/>
           </a:p>
